--- a/6_Report/Humanitarian Risk Analytics.pptx
+++ b/6_Report/Humanitarian Risk Analytics.pptx
@@ -9812,7 +9812,19 @@
                 <a:latin typeface="Segoe UI Semibold" panose="020B0702040204020203" pitchFamily="34" charset="0"/>
                 <a:cs typeface="Segoe UI Semibold" panose="020B0702040204020203" pitchFamily="34" charset="0"/>
               </a:rPr>
-              <a:t>GitHub: https://github.com/Ifsaurabh</a:t>
+              <a:t>GitHub: </a:t>
+            </a:r>
+            <a:r>
+              <a:rPr lang="en-IN" dirty="0">
+                <a:hlinkClick r:id="rId3"/>
+              </a:rPr>
+              <a:t>Ifsaurabh/Humanitarian-risk-analysis-</a:t>
+            </a:r>
+            <a:r>
+              <a:rPr lang="en-IN" dirty="0" err="1">
+                <a:hlinkClick r:id="rId3"/>
+              </a:rPr>
+              <a:t>india</a:t>
             </a:r>
             <a:endParaRPr lang="en-IN" dirty="0">
               <a:solidFill>
@@ -10972,6 +10984,74 @@
           </a:p>
         </p:txBody>
       </p:sp>
+      <p:pic>
+        <p:nvPicPr>
+          <p:cNvPr id="5" name="Picture 4">
+            <a:extLst>
+              <a:ext uri="{FF2B5EF4-FFF2-40B4-BE49-F238E27FC236}">
+                <a16:creationId xmlns:a16="http://schemas.microsoft.com/office/drawing/2014/main" id="{E644FBEC-EDFF-38F1-86F8-FD4EE1F9C38C}"/>
+              </a:ext>
+            </a:extLst>
+          </p:cNvPr>
+          <p:cNvPicPr>
+            <a:picLocks noChangeAspect="1"/>
+          </p:cNvPicPr>
+          <p:nvPr/>
+        </p:nvPicPr>
+        <p:blipFill>
+          <a:blip r:embed="rId2">
+            <a:extLst>
+              <a:ext uri="{28A0092B-C50C-407E-A947-70E740481C1C}">
+                <a14:useLocalDpi xmlns:a14="http://schemas.microsoft.com/office/drawing/2010/main" val="0"/>
+              </a:ext>
+            </a:extLst>
+          </a:blip>
+          <a:stretch>
+            <a:fillRect/>
+          </a:stretch>
+        </p:blipFill>
+        <p:spPr>
+          <a:xfrm>
+            <a:off x="940777" y="3959035"/>
+            <a:ext cx="4915326" cy="1882303"/>
+          </a:xfrm>
+          <a:prstGeom prst="rect">
+            <a:avLst/>
+          </a:prstGeom>
+          <a:solidFill>
+            <a:srgbClr val="FFFFFF">
+              <a:shade val="85000"/>
+            </a:srgbClr>
+          </a:solidFill>
+          <a:ln w="3175" cap="sq">
+            <a:solidFill>
+              <a:srgbClr val="FFFFFF"/>
+            </a:solidFill>
+            <a:miter lim="800000"/>
+          </a:ln>
+          <a:effectLst>
+            <a:outerShdw blurRad="65000" dist="50800" dir="12900000" kx="195000" ky="145000" algn="tl" rotWithShape="0">
+              <a:srgbClr val="000000">
+                <a:alpha val="30000"/>
+              </a:srgbClr>
+            </a:outerShdw>
+          </a:effectLst>
+          <a:scene3d>
+            <a:camera prst="orthographicFront">
+              <a:rot lat="0" lon="0" rev="360000"/>
+            </a:camera>
+            <a:lightRig rig="twoPt" dir="t">
+              <a:rot lat="0" lon="0" rev="7200000"/>
+            </a:lightRig>
+          </a:scene3d>
+          <a:sp3d contourW="12700">
+            <a:bevelT w="25400" h="19050"/>
+            <a:contourClr>
+              <a:srgbClr val="969696"/>
+            </a:contourClr>
+          </a:sp3d>
+        </p:spPr>
+      </p:pic>
     </p:spTree>
     <p:extLst>
       <p:ext uri="{BB962C8B-B14F-4D97-AF65-F5344CB8AC3E}">
